--- a/UC_Course_Sesion1/UCDatabrick - Sesion 1.pptx
+++ b/UC_Course_Sesion1/UCDatabrick - Sesion 1.pptx
@@ -5138,13 +5138,13 @@
   <p:clrMapOvr>
     <a:masterClrMapping/>
   </p:clrMapOvr>
-  <mc:AlternateContent xmlns:mc="http://schemas.openxmlformats.org/markup-compatibility/2006">
-    <mc:Choice xmlns:p14="http://schemas.microsoft.com/office/powerpoint/2010/main" Requires="p14">
+  <mc:AlternateContent xmlns:mc="http://schemas.openxmlformats.org/markup-compatibility/2006" xmlns:p14="http://schemas.microsoft.com/office/powerpoint/2010/main">
+    <mc:Choice Requires="p14">
       <p:transition spd="med" p14:dur="700">
         <p:fade/>
       </p:transition>
     </mc:Choice>
-    <mc:Fallback>
+    <mc:Fallback xmlns="">
       <p:transition spd="med">
         <p:fade/>
       </p:transition>
@@ -6182,13 +6182,13 @@
   <p:clrMapOvr>
     <a:masterClrMapping/>
   </p:clrMapOvr>
-  <mc:AlternateContent xmlns:mc="http://schemas.openxmlformats.org/markup-compatibility/2006">
-    <mc:Choice xmlns:p14="http://schemas.microsoft.com/office/powerpoint/2010/main" Requires="p14">
+  <mc:AlternateContent xmlns:mc="http://schemas.openxmlformats.org/markup-compatibility/2006" xmlns:p14="http://schemas.microsoft.com/office/powerpoint/2010/main">
+    <mc:Choice Requires="p14">
       <p:transition spd="med" p14:dur="700">
         <p:fade/>
       </p:transition>
     </mc:Choice>
-    <mc:Fallback>
+    <mc:Fallback xmlns="">
       <p:transition spd="med">
         <p:fade/>
       </p:transition>
@@ -7126,13 +7126,13 @@
   <p:clrMapOvr>
     <a:masterClrMapping/>
   </p:clrMapOvr>
-  <mc:AlternateContent xmlns:mc="http://schemas.openxmlformats.org/markup-compatibility/2006">
-    <mc:Choice xmlns:p14="http://schemas.microsoft.com/office/powerpoint/2010/main" Requires="p14">
+  <mc:AlternateContent xmlns:mc="http://schemas.openxmlformats.org/markup-compatibility/2006" xmlns:p14="http://schemas.microsoft.com/office/powerpoint/2010/main">
+    <mc:Choice Requires="p14">
       <p:transition spd="med" p14:dur="700">
         <p:fade/>
       </p:transition>
     </mc:Choice>
-    <mc:Fallback>
+    <mc:Fallback xmlns="">
       <p:transition spd="med">
         <p:fade/>
       </p:transition>
@@ -7528,7 +7528,7 @@
         </p:nvSpPr>
         <p:spPr>
           <a:xfrm>
-            <a:off x="628650" y="1124744"/>
+            <a:off x="539552" y="1556792"/>
             <a:ext cx="7886700" cy="4680520"/>
           </a:xfrm>
         </p:spPr>
@@ -7820,8 +7820,8 @@
         </p:nvSpPr>
         <p:spPr>
           <a:xfrm>
-            <a:off x="628650" y="1124744"/>
-            <a:ext cx="7886700" cy="4680520"/>
+            <a:off x="467544" y="1833529"/>
+            <a:ext cx="7886700" cy="3456384"/>
           </a:xfrm>
         </p:spPr>
         <p:txBody>
@@ -8916,7 +8916,7 @@
         <p:fade/>
       </p:transition>
     </mc:Choice>
-    <mc:Fallback xmlns:ahyp="http://schemas.microsoft.com/office/drawing/2018/hyperlinkcolor" xmlns:p15="http://schemas.microsoft.com/office/powerpoint/2012/main" xmlns:com="http://schemas.openxmlformats.org/drawingml/2006/compatibility" xmlns:pvml="urn:schemas-microsoft-com:office:powerpoint" xmlns:v="urn:schemas-microsoft-com:vml" xmlns:o="urn:schemas-microsoft-com:office:office" xmlns:dgm="http://schemas.openxmlformats.org/drawingml/2006/diagram" xmlns:c="http://schemas.openxmlformats.org/drawingml/2006/chart" xmlns:mv="urn:schemas-microsoft-com:mac:vml" xmlns="">
+    <mc:Fallback xmlns="" xmlns:mv="urn:schemas-microsoft-com:mac:vml" xmlns:c="http://schemas.openxmlformats.org/drawingml/2006/chart" xmlns:dgm="http://schemas.openxmlformats.org/drawingml/2006/diagram" xmlns:o="urn:schemas-microsoft-com:office:office" xmlns:v="urn:schemas-microsoft-com:vml" xmlns:pvml="urn:schemas-microsoft-com:office:powerpoint" xmlns:com="http://schemas.openxmlformats.org/drawingml/2006/compatibility" xmlns:p15="http://schemas.microsoft.com/office/powerpoint/2012/main" xmlns:ahyp="http://schemas.microsoft.com/office/drawing/2018/hyperlinkcolor">
       <p:transition spd="slow">
         <p:fade/>
       </p:transition>
@@ -9337,7 +9337,7 @@
         <p:fade/>
       </p:transition>
     </mc:Choice>
-    <mc:Fallback xmlns:ahyp="http://schemas.microsoft.com/office/drawing/2018/hyperlinkcolor" xmlns:p15="http://schemas.microsoft.com/office/powerpoint/2012/main" xmlns:com="http://schemas.openxmlformats.org/drawingml/2006/compatibility" xmlns:pvml="urn:schemas-microsoft-com:office:powerpoint" xmlns:v="urn:schemas-microsoft-com:vml" xmlns:o="urn:schemas-microsoft-com:office:office" xmlns:dgm="http://schemas.openxmlformats.org/drawingml/2006/diagram" xmlns:c="http://schemas.openxmlformats.org/drawingml/2006/chart" xmlns:mv="urn:schemas-microsoft-com:mac:vml" xmlns="">
+    <mc:Fallback xmlns="" xmlns:mv="urn:schemas-microsoft-com:mac:vml" xmlns:c="http://schemas.openxmlformats.org/drawingml/2006/chart" xmlns:dgm="http://schemas.openxmlformats.org/drawingml/2006/diagram" xmlns:o="urn:schemas-microsoft-com:office:office" xmlns:v="urn:schemas-microsoft-com:vml" xmlns:pvml="urn:schemas-microsoft-com:office:powerpoint" xmlns:com="http://schemas.openxmlformats.org/drawingml/2006/compatibility" xmlns:p15="http://schemas.microsoft.com/office/powerpoint/2012/main" xmlns:ahyp="http://schemas.microsoft.com/office/drawing/2018/hyperlinkcolor">
       <p:transition spd="slow">
         <p:fade/>
       </p:transition>
@@ -10931,7 +10931,7 @@
         <p:fade/>
       </p:transition>
     </mc:Choice>
-    <mc:Fallback xmlns:ahyp="http://schemas.microsoft.com/office/drawing/2018/hyperlinkcolor" xmlns:p15="http://schemas.microsoft.com/office/powerpoint/2012/main" xmlns:com="http://schemas.openxmlformats.org/drawingml/2006/compatibility" xmlns:pvml="urn:schemas-microsoft-com:office:powerpoint" xmlns:v="urn:schemas-microsoft-com:vml" xmlns:o="urn:schemas-microsoft-com:office:office" xmlns:dgm="http://schemas.openxmlformats.org/drawingml/2006/diagram" xmlns:c="http://schemas.openxmlformats.org/drawingml/2006/chart" xmlns:mv="urn:schemas-microsoft-com:mac:vml" xmlns="">
+    <mc:Fallback xmlns="" xmlns:mv="urn:schemas-microsoft-com:mac:vml" xmlns:c="http://schemas.openxmlformats.org/drawingml/2006/chart" xmlns:dgm="http://schemas.openxmlformats.org/drawingml/2006/diagram" xmlns:o="urn:schemas-microsoft-com:office:office" xmlns:v="urn:schemas-microsoft-com:vml" xmlns:pvml="urn:schemas-microsoft-com:office:powerpoint" xmlns:com="http://schemas.openxmlformats.org/drawingml/2006/compatibility" xmlns:p15="http://schemas.microsoft.com/office/powerpoint/2012/main" xmlns:ahyp="http://schemas.microsoft.com/office/drawing/2018/hyperlinkcolor">
       <p:transition spd="slow">
         <p:fade/>
       </p:transition>
@@ -11079,13 +11079,13 @@
   <p:clrMapOvr>
     <a:masterClrMapping/>
   </p:clrMapOvr>
-  <mc:AlternateContent xmlns:mc="http://schemas.openxmlformats.org/markup-compatibility/2006">
-    <mc:Choice xmlns:p14="http://schemas.microsoft.com/office/powerpoint/2010/main" Requires="p14">
+  <mc:AlternateContent xmlns:mc="http://schemas.openxmlformats.org/markup-compatibility/2006" xmlns:p14="http://schemas.microsoft.com/office/powerpoint/2010/main">
+    <mc:Choice Requires="p14">
       <p:transition spd="med" p14:dur="700">
         <p:fade/>
       </p:transition>
     </mc:Choice>
-    <mc:Fallback>
+    <mc:Fallback xmlns="">
       <p:transition spd="med">
         <p:fade/>
       </p:transition>
@@ -11966,15 +11966,6 @@
 </file>
 
 <file path=customXml/item1.xml><?xml version="1.0" encoding="utf-8"?>
-<?mso-contentType ?>
-<FormTemplates xmlns="http://schemas.microsoft.com/sharepoint/v3/contenttype/forms">
-  <Display>DocumentLibraryForm</Display>
-  <Edit>DocumentLibraryForm</Edit>
-  <New>DocumentLibraryForm</New>
-</FormTemplates>
-</file>
-
-<file path=customXml/item2.xml><?xml version="1.0" encoding="utf-8"?>
 <ct:contentTypeSchema xmlns:ct="http://schemas.microsoft.com/office/2006/metadata/contentType" xmlns:ma="http://schemas.microsoft.com/office/2006/metadata/properties/metaAttributes" ct:_="" ma:_="" ma:contentTypeName="Documento" ma:contentTypeID="0x010100D61D317CF2309C4E8DA448EE42D88B65" ma:contentTypeVersion="14" ma:contentTypeDescription="Crear nuevo documento." ma:contentTypeScope="" ma:versionID="499295a40b32042ffc1aa18e52107fb2">
   <xsd:schema xmlns:xsd="http://www.w3.org/2001/XMLSchema" xmlns:xs="http://www.w3.org/2001/XMLSchema" xmlns:p="http://schemas.microsoft.com/office/2006/metadata/properties" xmlns:ns2="e24c3f89-b1e2-4b5c-81e1-9b07710f5189" xmlns:ns3="ce845bb0-6f82-4cf9-8b02-3916bb6268df" targetNamespace="http://schemas.microsoft.com/office/2006/metadata/properties" ma:root="true" ma:fieldsID="cacbbaa88dffef174e809ab62d2fa790" ns2:_="" ns3:_="">
     <xsd:import namespace="e24c3f89-b1e2-4b5c-81e1-9b07710f5189"/>
@@ -12203,6 +12194,15 @@
 </ct:contentTypeSchema>
 </file>
 
+<file path=customXml/item2.xml><?xml version="1.0" encoding="utf-8"?>
+<?mso-contentType ?>
+<FormTemplates xmlns="http://schemas.microsoft.com/sharepoint/v3/contenttype/forms">
+  <Display>DocumentLibraryForm</Display>
+  <Edit>DocumentLibraryForm</Edit>
+  <New>DocumentLibraryForm</New>
+</FormTemplates>
+</file>
+
 <file path=customXml/item3.xml><?xml version="1.0" encoding="utf-8"?>
 <p:properties xmlns:p="http://schemas.microsoft.com/office/2006/metadata/properties" xmlns:xsi="http://www.w3.org/2001/XMLSchema-instance" xmlns:pc="http://schemas.microsoft.com/office/infopath/2007/PartnerControls">
   <documentManagement>
@@ -12215,14 +12215,6 @@
 </file>
 
 <file path=customXml/itemProps1.xml><?xml version="1.0" encoding="utf-8"?>
-<ds:datastoreItem xmlns:ds="http://schemas.openxmlformats.org/officeDocument/2006/customXml" ds:itemID="{6FDDB250-E753-47E4-8ED1-CAC7AD183E6C}">
-  <ds:schemaRefs>
-    <ds:schemaRef ds:uri="http://schemas.microsoft.com/sharepoint/v3/contenttype/forms"/>
-  </ds:schemaRefs>
-</ds:datastoreItem>
-</file>
-
-<file path=customXml/itemProps2.xml><?xml version="1.0" encoding="utf-8"?>
 <ds:datastoreItem xmlns:ds="http://schemas.openxmlformats.org/officeDocument/2006/customXml" ds:itemID="{D57BF0C9-4CDD-43A3-8A95-A49D62C2F2E1}">
   <ds:schemaRefs>
     <ds:schemaRef ds:uri="http://schemas.microsoft.com/office/2006/metadata/contentType"/>
@@ -12241,6 +12233,14 @@
 </ds:datastoreItem>
 </file>
 
+<file path=customXml/itemProps2.xml><?xml version="1.0" encoding="utf-8"?>
+<ds:datastoreItem xmlns:ds="http://schemas.openxmlformats.org/officeDocument/2006/customXml" ds:itemID="{6FDDB250-E753-47E4-8ED1-CAC7AD183E6C}">
+  <ds:schemaRefs>
+    <ds:schemaRef ds:uri="http://schemas.microsoft.com/sharepoint/v3/contenttype/forms"/>
+  </ds:schemaRefs>
+</ds:datastoreItem>
+</file>
+
 <file path=customXml/itemProps3.xml><?xml version="1.0" encoding="utf-8"?>
 <ds:datastoreItem xmlns:ds="http://schemas.openxmlformats.org/officeDocument/2006/customXml" ds:itemID="{4A79858A-5E67-489D-9BB4-CD604D981F2A}">
   <ds:schemaRefs>

--- a/UC_Course_Sesion1/UCDatabrick - Sesion 1.pptx
+++ b/UC_Course_Sesion1/UCDatabrick - Sesion 1.pptx
@@ -4311,7 +4311,7 @@
               </a:pathLst>
             </a:custGeom>
             <a:solidFill>
-              <a:srgbClr val="76923C"/>
+              <a:srgbClr val="3B4A1E"/>
             </a:solidFill>
             <a:ln>
               <a:noFill/>
@@ -5669,7 +5669,7 @@
         <p:spPr>
           <a:xfrm>
             <a:off x="2738860" y="1280328"/>
-            <a:ext cx="5238612" cy="590700"/>
+            <a:ext cx="5577556" cy="590700"/>
           </a:xfrm>
           <a:prstGeom prst="rect">
             <a:avLst/>
@@ -5715,7 +5715,7 @@
         <p:spPr>
           <a:xfrm>
             <a:off x="2819158" y="1416706"/>
-            <a:ext cx="4993202" cy="230832"/>
+            <a:ext cx="5316268" cy="230832"/>
           </a:xfrm>
           <a:prstGeom prst="rect">
             <a:avLst/>
@@ -5765,7 +5765,7 @@
         <p:spPr>
           <a:xfrm>
             <a:off x="2734490" y="2096179"/>
-            <a:ext cx="5110564" cy="707886"/>
+            <a:ext cx="5653934" cy="861774"/>
           </a:xfrm>
           <a:prstGeom prst="rect">
             <a:avLst/>
@@ -5785,7 +5785,18 @@
                 </a:solidFill>
                 <a:latin typeface="Montserrat" panose="00000500000000000000" pitchFamily="2" charset="0"/>
               </a:rPr>
-              <a:t>Siempre debe incluir al menos una representación válida y no agregada de cada registro. Si las representaciones agregadas impulsan muchas cargas de trabajo descendentes, esas representaciones pueden estar en la capa plateada, pero normalmente están en la capa dorada.</a:t>
+              <a:t>Siempre debe incluir al menos una representación válida y no agregada de cada registro. </a:t>
+            </a:r>
+          </a:p>
+          <a:p>
+            <a:r>
+              <a:rPr lang="es-ES" sz="1000" dirty="0">
+                <a:solidFill>
+                  <a:srgbClr val="161616"/>
+                </a:solidFill>
+                <a:latin typeface="Montserrat" panose="00000500000000000000" pitchFamily="2" charset="0"/>
+              </a:rPr>
+              <a:t>Si las representaciones agregadas impulsan muchas cargas de trabajo descendentes, esas representaciones pueden estar en la capa plateada, pero normalmente están en la capa dorada.</a:t>
             </a:r>
             <a:endParaRPr lang="es-ES" sz="1000" dirty="0">
               <a:latin typeface="Montserrat" panose="00000500000000000000" pitchFamily="2" charset="0"/>
@@ -5807,7 +5818,7 @@
         </p:nvSpPr>
         <p:spPr>
           <a:xfrm>
-            <a:off x="2734490" y="3032973"/>
+            <a:off x="2734490" y="3089954"/>
             <a:ext cx="4952394" cy="400110"/>
           </a:xfrm>
           <a:prstGeom prst="rect">
@@ -5949,7 +5960,7 @@
         <p:spPr>
           <a:xfrm>
             <a:off x="2734490" y="5149121"/>
-            <a:ext cx="4867726" cy="861774"/>
+            <a:ext cx="5653934" cy="707886"/>
           </a:xfrm>
           <a:prstGeom prst="rect">
             <a:avLst/>
@@ -6020,7 +6031,7 @@
         </p:blipFill>
         <p:spPr>
           <a:xfrm>
-            <a:off x="1762022" y="2956315"/>
+            <a:off x="1762022" y="3013296"/>
             <a:ext cx="435027" cy="435027"/>
           </a:xfrm>
           <a:prstGeom prst="rect">
@@ -6777,7 +6788,7 @@
         <p:spPr>
           <a:xfrm>
             <a:off x="2699792" y="1252512"/>
-            <a:ext cx="5437910" cy="646331"/>
+            <a:ext cx="5328592" cy="646331"/>
           </a:xfrm>
           <a:prstGeom prst="rect">
             <a:avLst/>
@@ -8916,7 +8927,7 @@
         <p:fade/>
       </p:transition>
     </mc:Choice>
-    <mc:Fallback xmlns="" xmlns:mv="urn:schemas-microsoft-com:mac:vml" xmlns:c="http://schemas.openxmlformats.org/drawingml/2006/chart" xmlns:dgm="http://schemas.openxmlformats.org/drawingml/2006/diagram" xmlns:o="urn:schemas-microsoft-com:office:office" xmlns:v="urn:schemas-microsoft-com:vml" xmlns:pvml="urn:schemas-microsoft-com:office:powerpoint" xmlns:com="http://schemas.openxmlformats.org/drawingml/2006/compatibility" xmlns:p15="http://schemas.microsoft.com/office/powerpoint/2012/main" xmlns:ahyp="http://schemas.microsoft.com/office/drawing/2018/hyperlinkcolor">
+    <mc:Fallback xmlns:ahyp="http://schemas.microsoft.com/office/drawing/2018/hyperlinkcolor" xmlns:p15="http://schemas.microsoft.com/office/powerpoint/2012/main" xmlns:com="http://schemas.openxmlformats.org/drawingml/2006/compatibility" xmlns:pvml="urn:schemas-microsoft-com:office:powerpoint" xmlns:v="urn:schemas-microsoft-com:vml" xmlns:o="urn:schemas-microsoft-com:office:office" xmlns:dgm="http://schemas.openxmlformats.org/drawingml/2006/diagram" xmlns:c="http://schemas.openxmlformats.org/drawingml/2006/chart" xmlns:mv="urn:schemas-microsoft-com:mac:vml" xmlns="">
       <p:transition spd="slow">
         <p:fade/>
       </p:transition>
@@ -9337,7 +9348,7 @@
         <p:fade/>
       </p:transition>
     </mc:Choice>
-    <mc:Fallback xmlns="" xmlns:mv="urn:schemas-microsoft-com:mac:vml" xmlns:c="http://schemas.openxmlformats.org/drawingml/2006/chart" xmlns:dgm="http://schemas.openxmlformats.org/drawingml/2006/diagram" xmlns:o="urn:schemas-microsoft-com:office:office" xmlns:v="urn:schemas-microsoft-com:vml" xmlns:pvml="urn:schemas-microsoft-com:office:powerpoint" xmlns:com="http://schemas.openxmlformats.org/drawingml/2006/compatibility" xmlns:p15="http://schemas.microsoft.com/office/powerpoint/2012/main" xmlns:ahyp="http://schemas.microsoft.com/office/drawing/2018/hyperlinkcolor">
+    <mc:Fallback xmlns:ahyp="http://schemas.microsoft.com/office/drawing/2018/hyperlinkcolor" xmlns:p15="http://schemas.microsoft.com/office/powerpoint/2012/main" xmlns:com="http://schemas.openxmlformats.org/drawingml/2006/compatibility" xmlns:pvml="urn:schemas-microsoft-com:office:powerpoint" xmlns:v="urn:schemas-microsoft-com:vml" xmlns:o="urn:schemas-microsoft-com:office:office" xmlns:dgm="http://schemas.openxmlformats.org/drawingml/2006/diagram" xmlns:c="http://schemas.openxmlformats.org/drawingml/2006/chart" xmlns:mv="urn:schemas-microsoft-com:mac:vml" xmlns="">
       <p:transition spd="slow">
         <p:fade/>
       </p:transition>
@@ -10375,9 +10386,9 @@
         <p:grpSpPr>
           <a:xfrm>
             <a:off x="2627784" y="1403098"/>
-            <a:ext cx="6120680" cy="653095"/>
+            <a:ext cx="5688632" cy="653095"/>
             <a:chOff x="2915816" y="1839797"/>
-            <a:chExt cx="6120680" cy="653095"/>
+            <a:chExt cx="5688632" cy="653095"/>
           </a:xfrm>
         </p:grpSpPr>
         <p:sp>
@@ -10395,7 +10406,7 @@
           <p:spPr>
             <a:xfrm>
               <a:off x="2915816" y="1839797"/>
-              <a:ext cx="6120680" cy="653095"/>
+              <a:ext cx="5688632" cy="653095"/>
             </a:xfrm>
             <a:prstGeom prst="rect">
               <a:avLst/>
@@ -10422,7 +10433,7 @@
                 </a:spcAft>
                 <a:buNone/>
               </a:pPr>
-              <a:endParaRPr/>
+              <a:endParaRPr dirty="0"/>
             </a:p>
           </p:txBody>
         </p:sp>
@@ -10487,7 +10498,7 @@
           </p:nvSpPr>
           <p:spPr>
             <a:xfrm>
-              <a:off x="6719138" y="1958886"/>
+              <a:off x="6072538" y="1953751"/>
               <a:ext cx="1711102" cy="461665"/>
             </a:xfrm>
             <a:prstGeom prst="rect">
@@ -10931,7 +10942,7 @@
         <p:fade/>
       </p:transition>
     </mc:Choice>
-    <mc:Fallback xmlns="" xmlns:mv="urn:schemas-microsoft-com:mac:vml" xmlns:c="http://schemas.openxmlformats.org/drawingml/2006/chart" xmlns:dgm="http://schemas.openxmlformats.org/drawingml/2006/diagram" xmlns:o="urn:schemas-microsoft-com:office:office" xmlns:v="urn:schemas-microsoft-com:vml" xmlns:pvml="urn:schemas-microsoft-com:office:powerpoint" xmlns:com="http://schemas.openxmlformats.org/drawingml/2006/compatibility" xmlns:p15="http://schemas.microsoft.com/office/powerpoint/2012/main" xmlns:ahyp="http://schemas.microsoft.com/office/drawing/2018/hyperlinkcolor">
+    <mc:Fallback xmlns:ahyp="http://schemas.microsoft.com/office/drawing/2018/hyperlinkcolor" xmlns:p15="http://schemas.microsoft.com/office/powerpoint/2012/main" xmlns:com="http://schemas.openxmlformats.org/drawingml/2006/compatibility" xmlns:pvml="urn:schemas-microsoft-com:office:powerpoint" xmlns:v="urn:schemas-microsoft-com:vml" xmlns:o="urn:schemas-microsoft-com:office:office" xmlns:dgm="http://schemas.openxmlformats.org/drawingml/2006/diagram" xmlns:c="http://schemas.openxmlformats.org/drawingml/2006/chart" xmlns:mv="urn:schemas-microsoft-com:mac:vml" xmlns="">
       <p:transition spd="slow">
         <p:fade/>
       </p:transition>
@@ -11966,6 +11977,15 @@
 </file>
 
 <file path=customXml/item1.xml><?xml version="1.0" encoding="utf-8"?>
+<?mso-contentType ?>
+<FormTemplates xmlns="http://schemas.microsoft.com/sharepoint/v3/contenttype/forms">
+  <Display>DocumentLibraryForm</Display>
+  <Edit>DocumentLibraryForm</Edit>
+  <New>DocumentLibraryForm</New>
+</FormTemplates>
+</file>
+
+<file path=customXml/item2.xml><?xml version="1.0" encoding="utf-8"?>
 <ct:contentTypeSchema xmlns:ct="http://schemas.microsoft.com/office/2006/metadata/contentType" xmlns:ma="http://schemas.microsoft.com/office/2006/metadata/properties/metaAttributes" ct:_="" ma:_="" ma:contentTypeName="Documento" ma:contentTypeID="0x010100D61D317CF2309C4E8DA448EE42D88B65" ma:contentTypeVersion="14" ma:contentTypeDescription="Crear nuevo documento." ma:contentTypeScope="" ma:versionID="499295a40b32042ffc1aa18e52107fb2">
   <xsd:schema xmlns:xsd="http://www.w3.org/2001/XMLSchema" xmlns:xs="http://www.w3.org/2001/XMLSchema" xmlns:p="http://schemas.microsoft.com/office/2006/metadata/properties" xmlns:ns2="e24c3f89-b1e2-4b5c-81e1-9b07710f5189" xmlns:ns3="ce845bb0-6f82-4cf9-8b02-3916bb6268df" targetNamespace="http://schemas.microsoft.com/office/2006/metadata/properties" ma:root="true" ma:fieldsID="cacbbaa88dffef174e809ab62d2fa790" ns2:_="" ns3:_="">
     <xsd:import namespace="e24c3f89-b1e2-4b5c-81e1-9b07710f5189"/>
@@ -12194,15 +12214,6 @@
 </ct:contentTypeSchema>
 </file>
 
-<file path=customXml/item2.xml><?xml version="1.0" encoding="utf-8"?>
-<?mso-contentType ?>
-<FormTemplates xmlns="http://schemas.microsoft.com/sharepoint/v3/contenttype/forms">
-  <Display>DocumentLibraryForm</Display>
-  <Edit>DocumentLibraryForm</Edit>
-  <New>DocumentLibraryForm</New>
-</FormTemplates>
-</file>
-
 <file path=customXml/item3.xml><?xml version="1.0" encoding="utf-8"?>
 <p:properties xmlns:p="http://schemas.microsoft.com/office/2006/metadata/properties" xmlns:xsi="http://www.w3.org/2001/XMLSchema-instance" xmlns:pc="http://schemas.microsoft.com/office/infopath/2007/PartnerControls">
   <documentManagement>
@@ -12215,6 +12226,14 @@
 </file>
 
 <file path=customXml/itemProps1.xml><?xml version="1.0" encoding="utf-8"?>
+<ds:datastoreItem xmlns:ds="http://schemas.openxmlformats.org/officeDocument/2006/customXml" ds:itemID="{6FDDB250-E753-47E4-8ED1-CAC7AD183E6C}">
+  <ds:schemaRefs>
+    <ds:schemaRef ds:uri="http://schemas.microsoft.com/sharepoint/v3/contenttype/forms"/>
+  </ds:schemaRefs>
+</ds:datastoreItem>
+</file>
+
+<file path=customXml/itemProps2.xml><?xml version="1.0" encoding="utf-8"?>
 <ds:datastoreItem xmlns:ds="http://schemas.openxmlformats.org/officeDocument/2006/customXml" ds:itemID="{D57BF0C9-4CDD-43A3-8A95-A49D62C2F2E1}">
   <ds:schemaRefs>
     <ds:schemaRef ds:uri="http://schemas.microsoft.com/office/2006/metadata/contentType"/>
@@ -12233,14 +12252,6 @@
 </ds:datastoreItem>
 </file>
 
-<file path=customXml/itemProps2.xml><?xml version="1.0" encoding="utf-8"?>
-<ds:datastoreItem xmlns:ds="http://schemas.openxmlformats.org/officeDocument/2006/customXml" ds:itemID="{6FDDB250-E753-47E4-8ED1-CAC7AD183E6C}">
-  <ds:schemaRefs>
-    <ds:schemaRef ds:uri="http://schemas.microsoft.com/sharepoint/v3/contenttype/forms"/>
-  </ds:schemaRefs>
-</ds:datastoreItem>
-</file>
-
 <file path=customXml/itemProps3.xml><?xml version="1.0" encoding="utf-8"?>
 <ds:datastoreItem xmlns:ds="http://schemas.openxmlformats.org/officeDocument/2006/customXml" ds:itemID="{4A79858A-5E67-489D-9BB4-CD604D981F2A}">
   <ds:schemaRefs>
